--- a/AdversarialBiasPresentation FINAL 7.9.20 steven's updates.pptx
+++ b/AdversarialBiasPresentation FINAL 7.9.20 steven's updates.pptx
@@ -5,10 +5,10 @@
     <p:sldMasterId id="2147483660" r:id="rId1"/>
   </p:sldMasterIdLst>
   <p:notesMasterIdLst>
-    <p:notesMasterId r:id="rId15"/>
+    <p:notesMasterId r:id="rId16"/>
   </p:notesMasterIdLst>
   <p:handoutMasterIdLst>
-    <p:handoutMasterId r:id="rId16"/>
+    <p:handoutMasterId r:id="rId17"/>
   </p:handoutMasterIdLst>
   <p:sldIdLst>
     <p:sldId id="256" r:id="rId2"/>
@@ -24,6 +24,7 @@
     <p:sldId id="278" r:id="rId12"/>
     <p:sldId id="279" r:id="rId13"/>
     <p:sldId id="280" r:id="rId14"/>
+    <p:sldId id="282" r:id="rId15"/>
   </p:sldIdLst>
   <p:sldSz cx="9144000" cy="6858000" type="screen4x3"/>
   <p:notesSz cx="6858000" cy="9144000"/>
@@ -9078,6 +9079,103 @@
 </p:sld>
 </file>
 
+<file path=ppt/slides/slide14.xml><?xml version="1.0" encoding="utf-8"?>
+<p:sld xmlns:a="http://schemas.openxmlformats.org/drawingml/2006/main" xmlns:r="http://schemas.openxmlformats.org/officeDocument/2006/relationships" xmlns:p="http://schemas.openxmlformats.org/presentationml/2006/main">
+  <p:cSld>
+    <p:spTree>
+      <p:nvGrpSpPr>
+        <p:cNvPr id="1" name=""/>
+        <p:cNvGrpSpPr/>
+        <p:nvPr/>
+      </p:nvGrpSpPr>
+      <p:grpSpPr>
+        <a:xfrm>
+          <a:off x="0" y="0"/>
+          <a:ext cx="0" cy="0"/>
+          <a:chOff x="0" y="0"/>
+          <a:chExt cx="0" cy="0"/>
+        </a:xfrm>
+      </p:grpSpPr>
+      <p:sp>
+        <p:nvSpPr>
+          <p:cNvPr id="2" name="Slide Number Placeholder 1">
+            <a:extLst>
+              <a:ext uri="{FF2B5EF4-FFF2-40B4-BE49-F238E27FC236}">
+                <a16:creationId xmlns:a16="http://schemas.microsoft.com/office/drawing/2014/main" id="{131A56F2-271A-4A75-9D8E-6BBFC2AB93FF}"/>
+              </a:ext>
+            </a:extLst>
+          </p:cNvPr>
+          <p:cNvSpPr>
+            <a:spLocks noGrp="1"/>
+          </p:cNvSpPr>
+          <p:nvPr>
+            <p:ph type="sldNum" sz="quarter" idx="12"/>
+          </p:nvPr>
+        </p:nvSpPr>
+        <p:spPr/>
+        <p:txBody>
+          <a:bodyPr/>
+          <a:lstStyle/>
+          <a:p>
+            <a:fld id="{38327683-8978-6B4B-9130-4A6A841F0549}" type="slidenum">
+              <a:rPr lang="en-US" smtClean="0"/>
+              <a:t>14</a:t>
+            </a:fld>
+            <a:endParaRPr lang="en-US"/>
+          </a:p>
+        </p:txBody>
+      </p:sp>
+      <p:pic>
+        <p:nvPicPr>
+          <p:cNvPr id="6" name="Picture 5">
+            <a:extLst>
+              <a:ext uri="{FF2B5EF4-FFF2-40B4-BE49-F238E27FC236}">
+                <a16:creationId xmlns:a16="http://schemas.microsoft.com/office/drawing/2014/main" id="{8B078568-46EB-4071-BD87-90BE5E8ACB16}"/>
+              </a:ext>
+            </a:extLst>
+          </p:cNvPr>
+          <p:cNvPicPr>
+            <a:picLocks noChangeAspect="1"/>
+          </p:cNvPicPr>
+          <p:nvPr/>
+        </p:nvPicPr>
+        <p:blipFill>
+          <a:blip r:embed="rId2"/>
+          <a:stretch>
+            <a:fillRect/>
+          </a:stretch>
+        </p:blipFill>
+        <p:spPr>
+          <a:xfrm>
+            <a:off x="0" y="259789"/>
+            <a:ext cx="9144000" cy="5925059"/>
+          </a:xfrm>
+          <a:prstGeom prst="rect">
+            <a:avLst/>
+          </a:prstGeom>
+        </p:spPr>
+      </p:pic>
+    </p:spTree>
+    <p:extLst>
+      <p:ext uri="{BB962C8B-B14F-4D97-AF65-F5344CB8AC3E}">
+        <p14:creationId xmlns:p14="http://schemas.microsoft.com/office/powerpoint/2010/main" val="2756546132"/>
+      </p:ext>
+    </p:extLst>
+  </p:cSld>
+  <p:clrMapOvr>
+    <a:masterClrMapping/>
+  </p:clrMapOvr>
+  <mc:AlternateContent xmlns:mc="http://schemas.openxmlformats.org/markup-compatibility/2006" xmlns:p14="http://schemas.microsoft.com/office/powerpoint/2010/main">
+    <mc:Choice Requires="p14">
+      <p:transition p14:dur="0" advClick="0" advTm="15000"/>
+    </mc:Choice>
+    <mc:Fallback xmlns="">
+      <p:transition advClick="0" advTm="15000"/>
+    </mc:Fallback>
+  </mc:AlternateContent>
+</p:sld>
+</file>
+
 <file path=ppt/slides/slide2.xml><?xml version="1.0" encoding="utf-8"?>
 <p:sld xmlns:a="http://schemas.openxmlformats.org/drawingml/2006/main" xmlns:r="http://schemas.openxmlformats.org/officeDocument/2006/relationships" xmlns:p="http://schemas.openxmlformats.org/presentationml/2006/main">
   <p:cSld>
@@ -10722,8 +10820,8 @@
           </a:p>
         </p:txBody>
       </p:sp>
-      <mc:AlternateContent xmlns:mc="http://schemas.openxmlformats.org/markup-compatibility/2006">
-        <mc:Choice xmlns:a14="http://schemas.microsoft.com/office/drawing/2010/main" Requires="a14">
+      <mc:AlternateContent xmlns:mc="http://schemas.openxmlformats.org/markup-compatibility/2006" xmlns:a14="http://schemas.microsoft.com/office/drawing/2010/main">
+        <mc:Choice Requires="a14">
           <p:sp>
             <p:nvSpPr>
               <p:cNvPr id="3" name="Content Placeholder 2"/>
@@ -12054,7 +12152,7 @@
             </p:txBody>
           </p:sp>
         </mc:Choice>
-        <mc:Fallback>
+        <mc:Fallback xmlns="">
           <p:sp>
             <p:nvSpPr>
               <p:cNvPr id="3" name="Content Placeholder 2"/>
